--- a/Team _A3_0th_review_ppt.pptx
+++ b/Team _A3_0th_review_ppt.pptx
@@ -219,7 +219,7 @@
           <a:p>
             <a:fld id="{92414672-7F74-4670-9356-5FF07953FE6B}" type="datetimeFigureOut">
               <a:rPr lang="en-US" smtClean="0"/>
-              <a:t>12/11/2025</a:t>
+              <a:t>12/12/2025</a:t>
             </a:fld>
             <a:endParaRPr lang="en-US"/>
           </a:p>
@@ -6448,7 +6448,7 @@
               <a:t> </a:t>
             </a:r>
             <a:r>
-              <a:rPr lang="en-US" sz="1400" b="0" dirty="0">
+              <a:rPr lang="en-US" sz="1400" dirty="0" err="1">
                 <a:solidFill>
                   <a:schemeClr val="dk1"/>
                 </a:solidFill>
@@ -6457,9 +6457,21 @@
                 <a:cs typeface="Times New Roman"/>
                 <a:sym typeface="Times New Roman"/>
               </a:rPr>
-              <a:t>M.Tech(Ph.D)</a:t>
+              <a:t>M.Tech</a:t>
             </a:r>
-            <a:endParaRPr lang="en-IN" sz="1400" b="0" dirty="0">
+            <a:r>
+              <a:rPr lang="en-US" sz="1400" dirty="0">
+                <a:solidFill>
+                  <a:schemeClr val="dk1"/>
+                </a:solidFill>
+                <a:latin typeface="Times New Roman"/>
+                <a:ea typeface="Times New Roman"/>
+                <a:cs typeface="Times New Roman"/>
+                <a:sym typeface="Times New Roman"/>
+              </a:rPr>
+              <a:t> .,Ph.D.</a:t>
+            </a:r>
+            <a:endParaRPr lang="en-IN" sz="1400" dirty="0">
               <a:effectLst>
                 <a:outerShdw blurRad="38100" dist="38100" dir="2700000" algn="tl">
                   <a:srgbClr val="000000">
@@ -10465,11 +10477,32 @@
                         <a:defRPr/>
                       </a:pPr>
                       <a:r>
-                        <a:rPr lang="en-IN" sz="1400">
+                        <a:rPr lang="en-IN" sz="1400" dirty="0">
                           <a:latin typeface="Times New Roman" panose="02020603050405020304" pitchFamily="18" charset="0"/>
                           <a:cs typeface="Times New Roman" panose="02020603050405020304" pitchFamily="18" charset="0"/>
                         </a:rPr>
-                        <a:t>S. Kumbhar, M. Rasal, S. Kurle, A. Kasulkar, S. P. Gunjal</a:t>
+                        <a:t>S. Kumbhar, M. Rasal, S. Kurle, A. </a:t>
+                      </a:r>
+                      <a:r>
+                        <a:rPr lang="en-IN" sz="1400" dirty="0" err="1">
+                          <a:latin typeface="Times New Roman" panose="02020603050405020304" pitchFamily="18" charset="0"/>
+                          <a:cs typeface="Times New Roman" panose="02020603050405020304" pitchFamily="18" charset="0"/>
+                        </a:rPr>
+                        <a:t>Kasulkar</a:t>
+                      </a:r>
+                      <a:r>
+                        <a:rPr lang="en-IN" sz="1400" dirty="0">
+                          <a:latin typeface="Times New Roman" panose="02020603050405020304" pitchFamily="18" charset="0"/>
+                          <a:cs typeface="Times New Roman" panose="02020603050405020304" pitchFamily="18" charset="0"/>
+                        </a:rPr>
+                        <a:t>, S. P. </a:t>
+                      </a:r>
+                      <a:r>
+                        <a:rPr lang="en-IN" sz="1400" dirty="0" err="1">
+                          <a:latin typeface="Times New Roman" panose="02020603050405020304" pitchFamily="18" charset="0"/>
+                          <a:cs typeface="Times New Roman" panose="02020603050405020304" pitchFamily="18" charset="0"/>
+                        </a:rPr>
+                        <a:t>Gunjal</a:t>
                       </a:r>
                       <a:endParaRPr lang="en-US" sz="1400" dirty="0">
                         <a:solidFill>
